--- a/lecture-slides_upload/lecture/mixed-fx-lab.pptx
+++ b/lecture-slides_upload/lecture/mixed-fx-lab.pptx
@@ -230,7 +230,7 @@
           <a:p>
             <a:fld id="{F0A90E97-9366-E64A-B35A-27C69DE40781}" type="datetimeFigureOut">
               <a:rPr lang="en-US" smtClean="0"/>
-              <a:t>12/7/22</a:t>
+              <a:t>4/10/24</a:t>
             </a:fld>
             <a:endParaRPr lang="en-US"/>
           </a:p>
@@ -2281,7 +2281,7 @@
           <a:p>
             <a:fld id="{569BCA8D-8583-A540-BB1D-E2FA4B9A1EB3}" type="datetimeFigureOut">
               <a:rPr lang="en-US" smtClean="0"/>
-              <a:t>12/7/22</a:t>
+              <a:t>4/10/24</a:t>
             </a:fld>
             <a:endParaRPr lang="en-US"/>
           </a:p>
@@ -2479,7 +2479,7 @@
           <a:p>
             <a:fld id="{569BCA8D-8583-A540-BB1D-E2FA4B9A1EB3}" type="datetimeFigureOut">
               <a:rPr lang="en-US" smtClean="0"/>
-              <a:t>12/7/22</a:t>
+              <a:t>4/10/24</a:t>
             </a:fld>
             <a:endParaRPr lang="en-US"/>
           </a:p>
@@ -2687,7 +2687,7 @@
           <a:p>
             <a:fld id="{569BCA8D-8583-A540-BB1D-E2FA4B9A1EB3}" type="datetimeFigureOut">
               <a:rPr lang="en-US" smtClean="0"/>
-              <a:t>12/7/22</a:t>
+              <a:t>4/10/24</a:t>
             </a:fld>
             <a:endParaRPr lang="en-US"/>
           </a:p>
@@ -2885,7 +2885,7 @@
           <a:p>
             <a:fld id="{569BCA8D-8583-A540-BB1D-E2FA4B9A1EB3}" type="datetimeFigureOut">
               <a:rPr lang="en-US" smtClean="0"/>
-              <a:t>12/7/22</a:t>
+              <a:t>4/10/24</a:t>
             </a:fld>
             <a:endParaRPr lang="en-US"/>
           </a:p>
@@ -3160,7 +3160,7 @@
           <a:p>
             <a:fld id="{569BCA8D-8583-A540-BB1D-E2FA4B9A1EB3}" type="datetimeFigureOut">
               <a:rPr lang="en-US" smtClean="0"/>
-              <a:t>12/7/22</a:t>
+              <a:t>4/10/24</a:t>
             </a:fld>
             <a:endParaRPr lang="en-US"/>
           </a:p>
@@ -3425,7 +3425,7 @@
           <a:p>
             <a:fld id="{569BCA8D-8583-A540-BB1D-E2FA4B9A1EB3}" type="datetimeFigureOut">
               <a:rPr lang="en-US" smtClean="0"/>
-              <a:t>12/7/22</a:t>
+              <a:t>4/10/24</a:t>
             </a:fld>
             <a:endParaRPr lang="en-US"/>
           </a:p>
@@ -3837,7 +3837,7 @@
           <a:p>
             <a:fld id="{569BCA8D-8583-A540-BB1D-E2FA4B9A1EB3}" type="datetimeFigureOut">
               <a:rPr lang="en-US" smtClean="0"/>
-              <a:t>12/7/22</a:t>
+              <a:t>4/10/24</a:t>
             </a:fld>
             <a:endParaRPr lang="en-US"/>
           </a:p>
@@ -3978,7 +3978,7 @@
           <a:p>
             <a:fld id="{569BCA8D-8583-A540-BB1D-E2FA4B9A1EB3}" type="datetimeFigureOut">
               <a:rPr lang="en-US" smtClean="0"/>
-              <a:t>12/7/22</a:t>
+              <a:t>4/10/24</a:t>
             </a:fld>
             <a:endParaRPr lang="en-US"/>
           </a:p>
@@ -4091,7 +4091,7 @@
           <a:p>
             <a:fld id="{569BCA8D-8583-A540-BB1D-E2FA4B9A1EB3}" type="datetimeFigureOut">
               <a:rPr lang="en-US" smtClean="0"/>
-              <a:t>12/7/22</a:t>
+              <a:t>4/10/24</a:t>
             </a:fld>
             <a:endParaRPr lang="en-US"/>
           </a:p>
@@ -4402,7 +4402,7 @@
           <a:p>
             <a:fld id="{569BCA8D-8583-A540-BB1D-E2FA4B9A1EB3}" type="datetimeFigureOut">
               <a:rPr lang="en-US" smtClean="0"/>
-              <a:t>12/7/22</a:t>
+              <a:t>4/10/24</a:t>
             </a:fld>
             <a:endParaRPr lang="en-US"/>
           </a:p>
@@ -4690,7 +4690,7 @@
           <a:p>
             <a:fld id="{569BCA8D-8583-A540-BB1D-E2FA4B9A1EB3}" type="datetimeFigureOut">
               <a:rPr lang="en-US" smtClean="0"/>
-              <a:t>12/7/22</a:t>
+              <a:t>4/10/24</a:t>
             </a:fld>
             <a:endParaRPr lang="en-US"/>
           </a:p>
@@ -4931,7 +4931,7 @@
           <a:p>
             <a:fld id="{569BCA8D-8583-A540-BB1D-E2FA4B9A1EB3}" type="datetimeFigureOut">
               <a:rPr lang="en-US" smtClean="0"/>
-              <a:t>12/7/22</a:t>
+              <a:t>4/10/24</a:t>
             </a:fld>
             <a:endParaRPr lang="en-US"/>
           </a:p>
@@ -5398,18 +5398,19 @@
           <a:lstStyle/>
           <a:p>
             <a:r>
+              <a:rPr lang="en-US" dirty="0"/>
+              <a:t>Jamil </a:t>
+            </a:r>
+            <a:r>
               <a:rPr lang="en-US" dirty="0" err="1"/>
-              <a:t>Lobue</a:t>
-            </a:r>
+              <a:t>Bhanji</a:t>
+            </a:r>
+            <a:endParaRPr lang="en-US" dirty="0"/>
+          </a:p>
+          <a:p>
             <a:r>
               <a:rPr lang="en-US" dirty="0"/>
-              <a:t> &amp; Bhanji</a:t>
-            </a:r>
-          </a:p>
-          <a:p>
-            <a:r>
-              <a:rPr lang="en-US" dirty="0"/>
-              <a:t>Dec 8 2022</a:t>
+              <a:t>April 2024</a:t>
             </a:r>
           </a:p>
         </p:txBody>
@@ -8186,7 +8187,7 @@
         <p:spPr/>
         <p:txBody>
           <a:bodyPr>
-            <a:normAutofit lnSpcReduction="10000"/>
+            <a:normAutofit fontScale="92500" lnSpcReduction="10000"/>
           </a:bodyPr>
           <a:lstStyle/>
           <a:p>
@@ -8290,14 +8291,14 @@
             <a:pPr lvl="1"/>
             <a:r>
               <a:rPr lang="en-US" dirty="0"/>
-              <a:t>fixed effects = population level (average) effects that persist across experiments. i.e. variables that are examined systematically</a:t>
+              <a:t>fixed effects = population level (average) effects that persist across experiments. i.e. effects of systematic variables (levels cover a defined range, not randomly sampled)</a:t>
             </a:r>
           </a:p>
           <a:p>
             <a:pPr lvl="1"/>
             <a:r>
               <a:rPr lang="en-US" dirty="0"/>
-              <a:t>random effects = variation across clusters of dependent data points (e.g. observations from the same subject, from the same stimulus/item, from the same classroom)</a:t>
+              <a:t>random effects = variation across clusters of dependent data points (e.g. observations from the same subject, from the same stimulus/item, from the same classroom)- the clusters are defined by a variable that is not systematically varied (it is sampled)</a:t>
             </a:r>
           </a:p>
         </p:txBody>
@@ -8427,7 +8428,7 @@
             </a:r>
             <a:r>
               <a:rPr lang="en-US" dirty="0"/>
-              <a:t> levels of one variable occur within levels of other variables – e.g., each student (random var1) is nested within one classroom (random var2)</a:t>
+              <a:t> levels of one variable occur within levels of other variables – e.g., each classroom (random var1) contains a different set of students (random var2) – students are nested within classrooms </a:t>
             </a:r>
           </a:p>
           <a:p>
@@ -8505,6 +8506,13 @@
           <a:p>
             <a:r>
               <a:rPr lang="en-US" dirty="0"/>
+              <a:t>Complete pooling and partial pooling</a:t>
+            </a:r>
+            <a:br>
+              <a:rPr lang="en-US" dirty="0"/>
+            </a:br>
+            <a:r>
+              <a:rPr lang="en-US" sz="3200" dirty="0"/>
               <a:t>Example: home price by #bedrooms</a:t>
             </a:r>
           </a:p>
@@ -8752,8 +8760,12 @@
           <a:p>
             <a:pPr lvl="1"/>
             <a:r>
+              <a:rPr lang="en-US"/>
+              <a:t>“no pooling” </a:t>
+            </a:r>
+            <a:r>
               <a:rPr lang="en-US" dirty="0"/>
-              <a:t>no pooling – run separate regressions in each neighborhood</a:t>
+              <a:t>– run separate regressions in each neighborhood</a:t>
             </a:r>
           </a:p>
           <a:p>
@@ -11037,13 +11049,8 @@
             <a:pPr lvl="1"/>
             <a:r>
               <a:rPr lang="en-US" dirty="0"/>
-              <a:t>Day1=</a:t>
-            </a:r>
-            <a:r>
-              <a:rPr lang="en-US" dirty="0" err="1"/>
-              <a:t>noregulation</a:t>
-            </a:r>
-            <a:endParaRPr lang="en-US" dirty="0"/>
+              <a:t>Day1=no regulation</a:t>
+            </a:r>
           </a:p>
           <a:p>
             <a:pPr lvl="1"/>
@@ -11223,7 +11230,7 @@
             </a:r>
             <a:r>
               <a:rPr lang="en-US" dirty="0"/>
-              <a:t> correction for non-sphericity in within-subjects effects</a:t>
+              <a:t> correction for non-sphericity in within-subjects effects where there are more than two levels</a:t>
             </a:r>
           </a:p>
           <a:p>
